--- a/public/Stimuli/uws_instr_slides.pptx
+++ b/public/Stimuli/uws_instr_slides.pptx
@@ -231,7 +231,7 @@
           <a:p>
             <a:fld id="{13EAB001-375A-47A6-A0AF-DD7CD76DA757}" type="datetimeFigureOut">
               <a:rPr lang="en-GB" smtClean="0"/>
-              <a:t>20/08/2019</a:t>
+              <a:t>22/08/2019</a:t>
             </a:fld>
             <a:endParaRPr lang="en-GB"/>
           </a:p>
@@ -932,7 +932,7 @@
           <a:p>
             <a:fld id="{538185A6-F7C7-2D4F-BA59-879D5B10606E}" type="datetimeFigureOut">
               <a:rPr lang="en-US" smtClean="0"/>
-              <a:t>8/20/2019</a:t>
+              <a:t>8/22/2019</a:t>
             </a:fld>
             <a:endParaRPr lang="en-US"/>
           </a:p>
@@ -1102,7 +1102,7 @@
           <a:p>
             <a:fld id="{538185A6-F7C7-2D4F-BA59-879D5B10606E}" type="datetimeFigureOut">
               <a:rPr lang="en-US" smtClean="0"/>
-              <a:t>8/20/2019</a:t>
+              <a:t>8/22/2019</a:t>
             </a:fld>
             <a:endParaRPr lang="en-US"/>
           </a:p>
@@ -1282,7 +1282,7 @@
           <a:p>
             <a:fld id="{538185A6-F7C7-2D4F-BA59-879D5B10606E}" type="datetimeFigureOut">
               <a:rPr lang="en-US" smtClean="0"/>
-              <a:t>8/20/2019</a:t>
+              <a:t>8/22/2019</a:t>
             </a:fld>
             <a:endParaRPr lang="en-US"/>
           </a:p>
@@ -1452,7 +1452,7 @@
           <a:p>
             <a:fld id="{538185A6-F7C7-2D4F-BA59-879D5B10606E}" type="datetimeFigureOut">
               <a:rPr lang="en-US" smtClean="0"/>
-              <a:t>8/20/2019</a:t>
+              <a:t>8/22/2019</a:t>
             </a:fld>
             <a:endParaRPr lang="en-US"/>
           </a:p>
@@ -1698,7 +1698,7 @@
           <a:p>
             <a:fld id="{538185A6-F7C7-2D4F-BA59-879D5B10606E}" type="datetimeFigureOut">
               <a:rPr lang="en-US" smtClean="0"/>
-              <a:t>8/20/2019</a:t>
+              <a:t>8/22/2019</a:t>
             </a:fld>
             <a:endParaRPr lang="en-US"/>
           </a:p>
@@ -1986,7 +1986,7 @@
           <a:p>
             <a:fld id="{538185A6-F7C7-2D4F-BA59-879D5B10606E}" type="datetimeFigureOut">
               <a:rPr lang="en-US" smtClean="0"/>
-              <a:t>8/20/2019</a:t>
+              <a:t>8/22/2019</a:t>
             </a:fld>
             <a:endParaRPr lang="en-US"/>
           </a:p>
@@ -2408,7 +2408,7 @@
           <a:p>
             <a:fld id="{538185A6-F7C7-2D4F-BA59-879D5B10606E}" type="datetimeFigureOut">
               <a:rPr lang="en-US" smtClean="0"/>
-              <a:t>8/20/2019</a:t>
+              <a:t>8/22/2019</a:t>
             </a:fld>
             <a:endParaRPr lang="en-US"/>
           </a:p>
@@ -2526,7 +2526,7 @@
           <a:p>
             <a:fld id="{538185A6-F7C7-2D4F-BA59-879D5B10606E}" type="datetimeFigureOut">
               <a:rPr lang="en-US" smtClean="0"/>
-              <a:t>8/20/2019</a:t>
+              <a:t>8/22/2019</a:t>
             </a:fld>
             <a:endParaRPr lang="en-US"/>
           </a:p>
@@ -2621,7 +2621,7 @@
           <a:p>
             <a:fld id="{538185A6-F7C7-2D4F-BA59-879D5B10606E}" type="datetimeFigureOut">
               <a:rPr lang="en-US" smtClean="0"/>
-              <a:t>8/20/2019</a:t>
+              <a:t>8/22/2019</a:t>
             </a:fld>
             <a:endParaRPr lang="en-US"/>
           </a:p>
@@ -2898,7 +2898,7 @@
           <a:p>
             <a:fld id="{538185A6-F7C7-2D4F-BA59-879D5B10606E}" type="datetimeFigureOut">
               <a:rPr lang="en-US" smtClean="0"/>
-              <a:t>8/20/2019</a:t>
+              <a:t>8/22/2019</a:t>
             </a:fld>
             <a:endParaRPr lang="en-US"/>
           </a:p>
@@ -3151,7 +3151,7 @@
           <a:p>
             <a:fld id="{538185A6-F7C7-2D4F-BA59-879D5B10606E}" type="datetimeFigureOut">
               <a:rPr lang="en-US" smtClean="0"/>
-              <a:t>8/20/2019</a:t>
+              <a:t>8/22/2019</a:t>
             </a:fld>
             <a:endParaRPr lang="en-US"/>
           </a:p>
@@ -3364,7 +3364,7 @@
           <a:p>
             <a:fld id="{538185A6-F7C7-2D4F-BA59-879D5B10606E}" type="datetimeFigureOut">
               <a:rPr lang="en-US" smtClean="0"/>
-              <a:t>8/20/2019</a:t>
+              <a:t>8/22/2019</a:t>
             </a:fld>
             <a:endParaRPr lang="en-US"/>
           </a:p>
@@ -3751,7 +3751,9 @@
         </p:nvSpPr>
         <p:spPr/>
         <p:txBody>
-          <a:bodyPr/>
+          <a:bodyPr>
+            <a:normAutofit lnSpcReduction="10000"/>
+          </a:bodyPr>
           <a:lstStyle/>
           <a:p>
             <a:pPr marL="0" indent="0">
@@ -3765,6 +3767,30 @@
               <a:rPr lang="en-US" sz="2400" dirty="0" smtClean="0"/>
               <a:t>.</a:t>
             </a:r>
+          </a:p>
+          <a:p>
+            <a:pPr marL="0" indent="0">
+              <a:buNone/>
+            </a:pPr>
+            <a:endParaRPr lang="en-US" sz="2400" dirty="0"/>
+          </a:p>
+          <a:p>
+            <a:pPr marL="0" indent="0">
+              <a:buNone/>
+            </a:pPr>
+            <a:r>
+              <a:rPr lang="en-US" sz="2400" dirty="0" smtClean="0"/>
+              <a:t>In this experiment, you </a:t>
+            </a:r>
+            <a:r>
+              <a:rPr lang="en-US" sz="2400" dirty="0"/>
+              <a:t>will perform two tasks at a video-game casino. </a:t>
+            </a:r>
+            <a:r>
+              <a:rPr lang="en-US" sz="2400" dirty="0" smtClean="0"/>
+              <a:t>The entire experiment will take somewhere between 1 hour 20 minutes and 1 hour 50 minutes. We expect the first task will take about 30 minutes, the second task will take about 40 minutes, and the two sets of instructions in total will take about 20 minutes.</a:t>
+            </a:r>
+            <a:endParaRPr lang="en-US" sz="2400" dirty="0"/>
           </a:p>
           <a:p>
             <a:pPr marL="0" indent="0">
@@ -4650,11 +4676,7 @@
             </a:r>
             <a:r>
               <a:rPr lang="en-GB" dirty="0" smtClean="0"/>
-              <a:t>either</a:t>
-            </a:r>
-            <a:r>
-              <a:rPr lang="en-GB" dirty="0" smtClean="0"/>
-              <a:t> </a:t>
+              <a:t>either </a:t>
             </a:r>
             <a:r>
               <a:rPr lang="en-GB" dirty="0"/>
@@ -4678,11 +4700,7 @@
             </a:r>
             <a:r>
               <a:rPr lang="en-GB" dirty="0" smtClean="0"/>
-              <a:t>for both types of games and will not change over the task</a:t>
-            </a:r>
-            <a:r>
-              <a:rPr lang="en-GB" dirty="0" smtClean="0"/>
-              <a:t>.</a:t>
+              <a:t>for both types of games and will not change over the task.</a:t>
             </a:r>
             <a:endParaRPr lang="en-GB" dirty="0"/>
           </a:p>
@@ -9791,36 +9809,17 @@
         </p:spPr>
         <p:txBody>
           <a:bodyPr>
-            <a:normAutofit fontScale="92500" lnSpcReduction="20000"/>
+            <a:normAutofit lnSpcReduction="10000"/>
           </a:bodyPr>
           <a:lstStyle/>
           <a:p>
             <a:r>
-              <a:rPr lang="en-US" sz="2400" dirty="0"/>
-              <a:t>Y</a:t>
-            </a:r>
-            <a:r>
               <a:rPr lang="en-US" sz="2400" dirty="0" smtClean="0"/>
-              <a:t>ou </a:t>
-            </a:r>
-            <a:r>
-              <a:rPr lang="en-US" sz="2400" dirty="0"/>
-              <a:t>will perform two tasks at a video-game casino. The first task will take </a:t>
+              <a:t>We’ll </a:t>
             </a:r>
             <a:r>
               <a:rPr lang="en-US" sz="2400" dirty="0" smtClean="0"/>
-              <a:t>about 35 </a:t>
-            </a:r>
-            <a:r>
-              <a:rPr lang="en-US" sz="2400" dirty="0"/>
-              <a:t>minutes and the second task will take about 50 minutes. </a:t>
-            </a:r>
-            <a:endParaRPr lang="en-US" sz="2400" dirty="0" smtClean="0"/>
-          </a:p>
-          <a:p>
-            <a:r>
-              <a:rPr lang="en-US" sz="2400" dirty="0" smtClean="0"/>
-              <a:t>We’ll now provide instructions for the first task.</a:t>
+              <a:t>now provide instructions for the first task.</a:t>
             </a:r>
           </a:p>
           <a:p>
